--- a/Everglades Capstone.pptx
+++ b/Everglades Capstone.pptx
@@ -3354,7 +3354,7 @@
           <a:p>
             <a:fld id="{2C49AB76-716A-D343-816C-9945446D3BE8}" type="datetimeFigureOut">
               <a:rPr lang="en-US" smtClean="0"/>
-              <a:t>6/6/2024</a:t>
+              <a:t>6/7/2024</a:t>
             </a:fld>
             <a:endParaRPr lang="en-US"/>
           </a:p>
@@ -3531,7 +3531,7 @@
           <a:p>
             <a:fld id="{ABE4772A-8C8C-4318-8CE7-50C1115F0A69}" type="datetimeFigureOut">
               <a:rPr lang="en-US" smtClean="0"/>
-              <a:t>6/6/2024</a:t>
+              <a:t>6/7/2024</a:t>
             </a:fld>
             <a:endParaRPr lang="en-US"/>
           </a:p>
@@ -24711,185 +24711,184 @@
           <a:bodyPr rtlCol="0" anchor="t"/>
           <a:lstStyle/>
           <a:p>
-            <a:pPr marL="457200" indent="-457200">
-              <a:lnSpc>
-                <a:spcPct val="150000"/>
-              </a:lnSpc>
-              <a:buFont typeface="+mj-lt"/>
-              <a:buAutoNum type="arabicPeriod"/>
-            </a:pPr>
-            <a:r>
-              <a:rPr lang="en-US" sz="2400" dirty="0"/>
-              <a:t>Identified project template from Capstone 1</a:t>
-            </a:r>
-          </a:p>
-          <a:p>
-            <a:pPr marL="457200" indent="-457200">
-              <a:lnSpc>
-                <a:spcPct val="150000"/>
-              </a:lnSpc>
-              <a:buFont typeface="+mj-lt"/>
-              <a:buAutoNum type="arabicPeriod"/>
-            </a:pPr>
-            <a:r>
-              <a:rPr lang="en-US" sz="2400" dirty="0"/>
-              <a:t>Created feature branches and tackled via Pair Programming</a:t>
-            </a:r>
-          </a:p>
-          <a:p>
-            <a:pPr marL="914400" lvl="1" indent="-457200">
-              <a:lnSpc>
-                <a:spcPct val="150000"/>
-              </a:lnSpc>
-              <a:buFont typeface="+mj-lt"/>
-              <a:buAutoNum type="arabicPeriod"/>
-            </a:pPr>
-            <a:r>
-              <a:rPr lang="en-US" sz="2400" dirty="0"/>
-              <a:t>Implement JPA</a:t>
-            </a:r>
-          </a:p>
-          <a:p>
-            <a:pPr marL="914400" lvl="1" indent="-457200">
-              <a:lnSpc>
-                <a:spcPct val="150000"/>
-              </a:lnSpc>
-              <a:buFont typeface="+mj-lt"/>
-              <a:buAutoNum type="arabicPeriod"/>
-            </a:pPr>
-            <a:r>
-              <a:rPr lang="en-US" sz="2400" dirty="0"/>
-              <a:t>Pricing Service Updates</a:t>
-            </a:r>
-          </a:p>
-          <a:p>
-            <a:pPr marL="914400" lvl="1" indent="-457200">
-              <a:lnSpc>
-                <a:spcPct val="150000"/>
-              </a:lnSpc>
-              <a:buFont typeface="+mj-lt"/>
-              <a:buAutoNum type="arabicPeriod"/>
-            </a:pPr>
-            <a:r>
-              <a:rPr lang="en-US" sz="2400" dirty="0"/>
-              <a:t>Research SSL</a:t>
-            </a:r>
-          </a:p>
-          <a:p>
-            <a:pPr marL="457200" indent="-457200">
-              <a:lnSpc>
-                <a:spcPct val="150000"/>
-              </a:lnSpc>
-              <a:buFont typeface="+mj-lt"/>
-              <a:buAutoNum type="arabicPeriod"/>
-            </a:pPr>
-            <a:r>
-              <a:rPr lang="en-US" sz="2400" dirty="0"/>
-              <a:t>Merge and implement role-based security</a:t>
-            </a:r>
-          </a:p>
-          <a:p>
-            <a:pPr marL="457200" indent="-457200">
-              <a:lnSpc>
-                <a:spcPct val="150000"/>
-              </a:lnSpc>
-              <a:buFont typeface="+mj-lt"/>
-              <a:buAutoNum type="arabicPeriod"/>
-            </a:pPr>
-            <a:r>
-              <a:rPr lang="en-US" sz="2400" dirty="0"/>
-              <a:t>Implement SSL</a:t>
-            </a:r>
-          </a:p>
-          <a:p>
-            <a:pPr marL="457200" indent="-457200">
-              <a:lnSpc>
-                <a:spcPct val="150000"/>
-              </a:lnSpc>
-              <a:buFont typeface="+mj-lt"/>
-              <a:buAutoNum type="arabicPeriod"/>
-            </a:pPr>
-            <a:r>
-              <a:rPr lang="en-US" sz="2400" dirty="0"/>
-              <a:t>Troubleshooting</a:t>
-            </a:r>
-          </a:p>
-          <a:p>
-            <a:pPr marL="457200" indent="-457200">
-              <a:lnSpc>
-                <a:spcPct val="150000"/>
-              </a:lnSpc>
-              <a:buFont typeface="+mj-lt"/>
-              <a:buAutoNum type="arabicPeriod"/>
-            </a:pPr>
-            <a:r>
-              <a:rPr lang="en-US" sz="2400" dirty="0"/>
-              <a:t>Deployment</a:t>
-            </a:r>
-          </a:p>
-          <a:p>
-            <a:pPr marL="457200" indent="-457200">
-              <a:lnSpc>
-                <a:spcPct val="150000"/>
-              </a:lnSpc>
-              <a:buFont typeface="+mj-lt"/>
-              <a:buAutoNum type="arabicPeriod"/>
-            </a:pPr>
-            <a:endParaRPr lang="en-US" sz="2400" dirty="0"/>
-          </a:p>
-          <a:p>
-            <a:pPr marL="914400" lvl="1" indent="-457200">
-              <a:lnSpc>
-                <a:spcPct val="150000"/>
-              </a:lnSpc>
-              <a:buFont typeface="+mj-lt"/>
-              <a:buAutoNum type="arabicPeriod"/>
-            </a:pPr>
-            <a:endParaRPr lang="en-US" sz="2400" dirty="0"/>
-          </a:p>
-          <a:p>
-            <a:pPr lvl="1">
-              <a:lnSpc>
-                <a:spcPct val="150000"/>
-              </a:lnSpc>
-            </a:pPr>
-            <a:endParaRPr lang="en-US" sz="2400" dirty="0"/>
-          </a:p>
-          <a:p>
-            <a:pPr marL="457200" indent="-457200">
-              <a:lnSpc>
-                <a:spcPct val="150000"/>
-              </a:lnSpc>
-              <a:buFont typeface="+mj-lt"/>
-              <a:buAutoNum type="arabicPeriod"/>
-            </a:pPr>
-            <a:endParaRPr lang="en-US" sz="2400" dirty="0"/>
-          </a:p>
-          <a:p>
-            <a:pPr marL="457200" indent="-457200">
-              <a:lnSpc>
-                <a:spcPct val="150000"/>
-              </a:lnSpc>
-              <a:buFont typeface="+mj-lt"/>
-              <a:buAutoNum type="arabicPeriod"/>
-            </a:pPr>
-            <a:endParaRPr lang="en-US" sz="2400" dirty="0"/>
-          </a:p>
-          <a:p>
-            <a:pPr lvl="1">
-              <a:lnSpc>
-                <a:spcPct val="150000"/>
-              </a:lnSpc>
-            </a:pPr>
-            <a:endParaRPr lang="en-US" sz="2400" dirty="0"/>
-          </a:p>
-          <a:p>
             <a:pPr>
               <a:lnSpc>
                 <a:spcPct val="150000"/>
               </a:lnSpc>
             </a:pPr>
             <a:endParaRPr lang="en-US" sz="2400" dirty="0"/>
+          </a:p>
+        </p:txBody>
+      </p:sp>
+      <p:sp>
+        <p:nvSpPr>
+          <p:cNvPr id="9" name="TextBox 8">
+            <a:extLst>
+              <a:ext uri="{FF2B5EF4-FFF2-40B4-BE49-F238E27FC236}">
+                <a16:creationId xmlns:a16="http://schemas.microsoft.com/office/drawing/2014/main" id="{FA150804-B986-04F8-05D7-A522B2D3A05A}"/>
+              </a:ext>
+            </a:extLst>
+          </p:cNvPr>
+          <p:cNvSpPr txBox="1"/>
+          <p:nvPr/>
+        </p:nvSpPr>
+        <p:spPr>
+          <a:xfrm>
+            <a:off x="636608" y="1076446"/>
+            <a:ext cx="10972799" cy="5324535"/>
+          </a:xfrm>
+          <a:prstGeom prst="rect">
+            <a:avLst/>
+          </a:prstGeom>
+          <a:noFill/>
+        </p:spPr>
+        <p:txBody>
+          <a:bodyPr wrap="square" rtlCol="0">
+            <a:spAutoFit/>
+          </a:bodyPr>
+          <a:lstStyle/>
+          <a:p>
+            <a:r>
+              <a:rPr lang="en-US" dirty="0"/>
+              <a:t>	</a:t>
+            </a:r>
+            <a:r>
+              <a:rPr lang="en-US" sz="2000" dirty="0"/>
+              <a:t>Day 1:</a:t>
+            </a:r>
+          </a:p>
+          <a:p>
+            <a:pPr marL="1200150" lvl="2" indent="-285750">
+              <a:buFont typeface="Arial" panose="020B0604020202020204" pitchFamily="34" charset="0"/>
+              <a:buChar char="•"/>
+            </a:pPr>
+            <a:r>
+              <a:rPr lang="en-US" sz="2000" dirty="0"/>
+              <a:t>Feature to implement JPA</a:t>
+            </a:r>
+          </a:p>
+          <a:p>
+            <a:pPr marL="1200150" lvl="2" indent="-285750">
+              <a:buFont typeface="Arial" panose="020B0604020202020204" pitchFamily="34" charset="0"/>
+              <a:buChar char="•"/>
+            </a:pPr>
+            <a:r>
+              <a:rPr lang="en-US" sz="2000" dirty="0"/>
+              <a:t>Feature to implement pricing service updates</a:t>
+            </a:r>
+          </a:p>
+          <a:p>
+            <a:pPr marL="1200150" lvl="2" indent="-285750">
+              <a:buFont typeface="Arial" panose="020B0604020202020204" pitchFamily="34" charset="0"/>
+              <a:buChar char="•"/>
+            </a:pPr>
+            <a:r>
+              <a:rPr lang="en-US" sz="2000" dirty="0"/>
+              <a:t>Research SSL</a:t>
+            </a:r>
+          </a:p>
+          <a:p>
+            <a:pPr lvl="1"/>
+            <a:endParaRPr lang="en-US" sz="2000" dirty="0"/>
+          </a:p>
+          <a:p>
+            <a:pPr lvl="1"/>
+            <a:r>
+              <a:rPr lang="en-US" sz="2000" dirty="0"/>
+              <a:t>Day 2:</a:t>
+            </a:r>
+          </a:p>
+          <a:p>
+            <a:pPr marL="1200150" lvl="2" indent="-285750">
+              <a:buFont typeface="Arial" panose="020B0604020202020204" pitchFamily="34" charset="0"/>
+              <a:buChar char="•"/>
+            </a:pPr>
+            <a:r>
+              <a:rPr lang="en-US" sz="2000" dirty="0"/>
+              <a:t>Merge and implement role-based security</a:t>
+            </a:r>
+          </a:p>
+          <a:p>
+            <a:pPr marL="1200150" lvl="2" indent="-285750">
+              <a:buFont typeface="Arial" panose="020B0604020202020204" pitchFamily="34" charset="0"/>
+              <a:buChar char="•"/>
+            </a:pPr>
+            <a:endParaRPr lang="en-US" sz="2000" dirty="0"/>
+          </a:p>
+          <a:p>
+            <a:pPr lvl="1"/>
+            <a:r>
+              <a:rPr lang="en-US" sz="2000" dirty="0"/>
+              <a:t>Day 3:</a:t>
+            </a:r>
+          </a:p>
+          <a:p>
+            <a:pPr marL="1200150" lvl="2" indent="-285750">
+              <a:buFont typeface="Arial" panose="020B0604020202020204" pitchFamily="34" charset="0"/>
+              <a:buChar char="•"/>
+            </a:pPr>
+            <a:r>
+              <a:rPr lang="en-US" sz="2000" dirty="0"/>
+              <a:t>Integration and testing with security</a:t>
+            </a:r>
+          </a:p>
+          <a:p>
+            <a:pPr marL="1200150" lvl="2" indent="-285750">
+              <a:buFont typeface="Arial" panose="020B0604020202020204" pitchFamily="34" charset="0"/>
+              <a:buChar char="•"/>
+            </a:pPr>
+            <a:endParaRPr lang="en-US" sz="2000" dirty="0"/>
+          </a:p>
+          <a:p>
+            <a:pPr lvl="1"/>
+            <a:r>
+              <a:rPr lang="en-US" sz="2000" dirty="0"/>
+              <a:t>Day 4</a:t>
+            </a:r>
+          </a:p>
+          <a:p>
+            <a:pPr marL="1200150" lvl="2" indent="-285750">
+              <a:buFont typeface="Arial" panose="020B0604020202020204" pitchFamily="34" charset="0"/>
+              <a:buChar char="•"/>
+            </a:pPr>
+            <a:r>
+              <a:rPr lang="en-US" sz="2000" dirty="0"/>
+              <a:t>Implement SSL</a:t>
+            </a:r>
+          </a:p>
+          <a:p>
+            <a:pPr marL="1200150" lvl="2" indent="-285750">
+              <a:buFont typeface="Arial" panose="020B0604020202020204" pitchFamily="34" charset="0"/>
+              <a:buChar char="•"/>
+            </a:pPr>
+            <a:r>
+              <a:rPr lang="en-US" sz="2000" dirty="0"/>
+              <a:t>Containerization</a:t>
+            </a:r>
+          </a:p>
+          <a:p>
+            <a:pPr marL="1200150" lvl="2" indent="-285750">
+              <a:buFont typeface="Arial" panose="020B0604020202020204" pitchFamily="34" charset="0"/>
+              <a:buChar char="•"/>
+            </a:pPr>
+            <a:endParaRPr lang="en-US" sz="2000" dirty="0"/>
+          </a:p>
+          <a:p>
+            <a:pPr lvl="1"/>
+            <a:r>
+              <a:rPr lang="en-US" sz="2000" dirty="0"/>
+              <a:t>Day 5</a:t>
+            </a:r>
+          </a:p>
+          <a:p>
+            <a:pPr marL="1200150" lvl="2" indent="-285750">
+              <a:buFont typeface="Arial" panose="020B0604020202020204" pitchFamily="34" charset="0"/>
+              <a:buChar char="•"/>
+            </a:pPr>
+            <a:r>
+              <a:rPr lang="en-US" sz="2000" dirty="0"/>
+              <a:t>Integration and Testing	</a:t>
+            </a:r>
           </a:p>
         </p:txBody>
       </p:sp>
@@ -25035,7 +25034,7 @@
                   </a:schemeClr>
                 </a:solidFill>
               </a:rPr>
-              <a:t>OOP Concepts </a:t>
+              <a:t>OOP Concepts Inclusion</a:t>
             </a:r>
           </a:p>
           <a:p>
@@ -25047,7 +25046,7 @@
               <a:buChar char="•"/>
             </a:pPr>
             <a:r>
-              <a:rPr lang="en-US" sz="2400" dirty="0">
+              <a:rPr lang="en-US" sz="2000" dirty="0">
                 <a:solidFill>
                   <a:schemeClr val="bg1">
                     <a:lumMod val="20000"/>
@@ -25067,7 +25066,7 @@
               <a:buChar char="•"/>
             </a:pPr>
             <a:r>
-              <a:rPr lang="en-US" sz="2400" dirty="0">
+              <a:rPr lang="en-US" sz="2000" dirty="0">
                 <a:solidFill>
                   <a:schemeClr val="bg1">
                     <a:lumMod val="20000"/>
@@ -25087,7 +25086,7 @@
               <a:buChar char="•"/>
             </a:pPr>
             <a:r>
-              <a:rPr lang="en-US" sz="2400" dirty="0">
+              <a:rPr lang="en-US" sz="2000" dirty="0">
                 <a:solidFill>
                   <a:schemeClr val="bg1">
                     <a:lumMod val="20000"/>
@@ -25115,7 +25114,7 @@
                   </a:schemeClr>
                 </a:solidFill>
               </a:rPr>
-              <a:t>Architecture</a:t>
+              <a:t>Solution Architecture</a:t>
             </a:r>
           </a:p>
           <a:p>
@@ -25127,7 +25126,7 @@
               <a:buChar char="•"/>
             </a:pPr>
             <a:r>
-              <a:rPr lang="en-US" sz="2400" dirty="0">
+              <a:rPr lang="en-US" sz="2000" dirty="0">
                 <a:solidFill>
                   <a:schemeClr val="bg1">
                     <a:lumMod val="20000"/>
@@ -25147,7 +25146,7 @@
               <a:buChar char="•"/>
             </a:pPr>
             <a:r>
-              <a:rPr lang="en-US" sz="2400" dirty="0">
+              <a:rPr lang="en-US" sz="2000" dirty="0">
                 <a:solidFill>
                   <a:schemeClr val="bg1">
                     <a:lumMod val="20000"/>
@@ -25167,7 +25166,7 @@
               <a:buChar char="•"/>
             </a:pPr>
             <a:r>
-              <a:rPr lang="en-US" sz="2400" dirty="0">
+              <a:rPr lang="en-US" sz="2000" dirty="0">
                 <a:solidFill>
                   <a:schemeClr val="bg1">
                     <a:lumMod val="20000"/>
@@ -25175,7 +25174,7 @@
                   </a:schemeClr>
                 </a:solidFill>
               </a:rPr>
-              <a:t>Implemented SSL for security</a:t>
+              <a:t>Deployed solution in a container</a:t>
             </a:r>
           </a:p>
           <a:p>
@@ -25187,7 +25186,7 @@
               <a:buChar char="•"/>
             </a:pPr>
             <a:r>
-              <a:rPr lang="en-US" sz="2400" dirty="0">
+              <a:rPr lang="en-US" sz="2000" dirty="0">
                 <a:solidFill>
                   <a:schemeClr val="bg1">
                     <a:lumMod val="20000"/>
@@ -25195,25 +25194,8 @@
                   </a:schemeClr>
                 </a:solidFill>
               </a:rPr>
-              <a:t>Deployed solution in a container</a:t>
+              <a:t>Implemented SSL</a:t>
             </a:r>
-          </a:p>
-          <a:p>
-            <a:pPr marL="342900" indent="-342900">
-              <a:lnSpc>
-                <a:spcPct val="150000"/>
-              </a:lnSpc>
-              <a:buFont typeface="Arial" panose="020B0604020202020204" pitchFamily="34" charset="0"/>
-              <a:buChar char="•"/>
-            </a:pPr>
-            <a:endParaRPr lang="en-US" sz="2400" dirty="0">
-              <a:solidFill>
-                <a:schemeClr val="bg1">
-                  <a:lumMod val="20000"/>
-                  <a:lumOff val="80000"/>
-                </a:schemeClr>
-              </a:solidFill>
-            </a:endParaRPr>
           </a:p>
           <a:p>
             <a:pPr marL="342900" indent="-342900">
@@ -26075,6 +26057,41 @@
               </a:lnSpc>
               <a:buFont typeface="Arial" panose="020B0604020202020204" pitchFamily="34" charset="0"/>
               <a:buChar char="•"/>
+            </a:pPr>
+            <a:endParaRPr lang="en-US" sz="2000" dirty="0">
+              <a:solidFill>
+                <a:schemeClr val="bg1">
+                  <a:lumMod val="20000"/>
+                  <a:lumOff val="80000"/>
+                </a:schemeClr>
+              </a:solidFill>
+            </a:endParaRPr>
+          </a:p>
+          <a:p>
+            <a:pPr marL="342900" indent="-342900">
+              <a:lnSpc>
+                <a:spcPct val="150000"/>
+              </a:lnSpc>
+              <a:buFont typeface="Arial" panose="020B0604020202020204" pitchFamily="34" charset="0"/>
+              <a:buChar char="•"/>
+            </a:pPr>
+            <a:r>
+              <a:rPr lang="en-US" sz="2000" dirty="0">
+                <a:solidFill>
+                  <a:schemeClr val="bg1">
+                    <a:lumMod val="20000"/>
+                    <a:lumOff val="80000"/>
+                  </a:schemeClr>
+                </a:solidFill>
+              </a:rPr>
+              <a:t>Create knowledge base for learnings from Java training</a:t>
+            </a:r>
+          </a:p>
+          <a:p>
+            <a:pPr>
+              <a:lnSpc>
+                <a:spcPct val="150000"/>
+              </a:lnSpc>
             </a:pPr>
             <a:endParaRPr lang="en-US" sz="2000" dirty="0">
               <a:solidFill>
@@ -27381,21 +27398,6 @@
 </file>
 
 <file path=customXml/item1.xml><?xml version="1.0" encoding="utf-8"?>
-<p:properties xmlns:p="http://schemas.microsoft.com/office/2006/metadata/properties" xmlns:xsi="http://www.w3.org/2001/XMLSchema-instance" xmlns:pc="http://schemas.microsoft.com/office/infopath/2007/PartnerControls">
-  <documentManagement/>
-</p:properties>
-</file>
-
-<file path=customXml/item2.xml><?xml version="1.0" encoding="utf-8"?>
-<?mso-contentType ?>
-<FormTemplates xmlns="http://schemas.microsoft.com/sharepoint/v3/contenttype/forms">
-  <Display>DocumentLibraryForm</Display>
-  <Edit>DocumentLibraryForm</Edit>
-  <New>DocumentLibraryForm</New>
-</FormTemplates>
-</file>
-
-<file path=customXml/item3.xml><?xml version="1.0" encoding="utf-8"?>
 <ct:contentTypeSchema xmlns:ct="http://schemas.microsoft.com/office/2006/metadata/contentType" xmlns:ma="http://schemas.microsoft.com/office/2006/metadata/properties/metaAttributes" ct:_="" ma:_="" ma:contentTypeName="Document" ma:contentTypeID="0x010100DB08ED62F141314D925B6B6A2E0E3EAE" ma:contentTypeVersion="0" ma:contentTypeDescription="Create a new document." ma:contentTypeScope="" ma:versionID="c4958064e1a2cb994cdf56dd3a58de7d">
   <xsd:schema xmlns:xsd="http://www.w3.org/2001/XMLSchema" xmlns:xs="http://www.w3.org/2001/XMLSchema" xmlns:p="http://schemas.microsoft.com/office/2006/metadata/properties" targetNamespace="http://schemas.microsoft.com/office/2006/metadata/properties" ma:root="true" ma:fieldsID="63f9ca9ed2b1b526ffdf70859b84e62e">
     <xsd:element name="properties">
@@ -27509,7 +27511,46 @@
 </ct:contentTypeSchema>
 </file>
 
+<file path=customXml/item2.xml><?xml version="1.0" encoding="utf-8"?>
+<?mso-contentType ?>
+<FormTemplates xmlns="http://schemas.microsoft.com/sharepoint/v3/contenttype/forms">
+  <Display>DocumentLibraryForm</Display>
+  <Edit>DocumentLibraryForm</Edit>
+  <New>DocumentLibraryForm</New>
+</FormTemplates>
+</file>
+
+<file path=customXml/item3.xml><?xml version="1.0" encoding="utf-8"?>
+<p:properties xmlns:p="http://schemas.microsoft.com/office/2006/metadata/properties" xmlns:xsi="http://www.w3.org/2001/XMLSchema-instance" xmlns:pc="http://schemas.microsoft.com/office/infopath/2007/PartnerControls">
+  <documentManagement/>
+</p:properties>
+</file>
+
 <file path=customXml/itemProps1.xml><?xml version="1.0" encoding="utf-8"?>
+<ds:datastoreItem xmlns:ds="http://schemas.openxmlformats.org/officeDocument/2006/customXml" ds:itemID="{C1462B60-9A18-4793-B74F-3DF3DD315338}">
+  <ds:schemaRefs>
+    <ds:schemaRef ds:uri="http://schemas.microsoft.com/office/2006/metadata/contentType"/>
+    <ds:schemaRef ds:uri="http://schemas.microsoft.com/office/2006/metadata/properties/metaAttributes"/>
+    <ds:schemaRef ds:uri="http://www.w3.org/2001/XMLSchema"/>
+    <ds:schemaRef ds:uri="http://schemas.microsoft.com/office/2006/metadata/properties"/>
+    <ds:schemaRef ds:uri="http://schemas.openxmlformats.org/package/2006/metadata/core-properties"/>
+    <ds:schemaRef ds:uri="http://purl.org/dc/elements/1.1/"/>
+    <ds:schemaRef ds:uri="http://purl.org/dc/terms/"/>
+    <ds:schemaRef ds:uri="http://schemas.microsoft.com/internal/obd"/>
+    <ds:schemaRef ds:uri="http://schemas.microsoft.com/office/infopath/2007/PartnerControls"/>
+  </ds:schemaRefs>
+</ds:datastoreItem>
+</file>
+
+<file path=customXml/itemProps2.xml><?xml version="1.0" encoding="utf-8"?>
+<ds:datastoreItem xmlns:ds="http://schemas.openxmlformats.org/officeDocument/2006/customXml" ds:itemID="{948A4D9D-B207-452A-97CC-BDC332329206}">
+  <ds:schemaRefs>
+    <ds:schemaRef ds:uri="http://schemas.microsoft.com/sharepoint/v3/contenttype/forms"/>
+  </ds:schemaRefs>
+</ds:datastoreItem>
+</file>
+
+<file path=customXml/itemProps3.xml><?xml version="1.0" encoding="utf-8"?>
 <ds:datastoreItem xmlns:ds="http://schemas.openxmlformats.org/officeDocument/2006/customXml" ds:itemID="{6E9630D6-C355-4B4F-9817-4609453E54BC}">
   <ds:schemaRefs>
     <ds:schemaRef ds:uri="http://schemas.microsoft.com/office/infopath/2007/PartnerControls"/>
@@ -27524,28 +27565,4 @@
     <ds:schemaRef ds:uri="45de8034-4a2f-45b3-8c8a-45c348e59743"/>
   </ds:schemaRefs>
 </ds:datastoreItem>
-</file>
-
-<file path=customXml/itemProps2.xml><?xml version="1.0" encoding="utf-8"?>
-<ds:datastoreItem xmlns:ds="http://schemas.openxmlformats.org/officeDocument/2006/customXml" ds:itemID="{948A4D9D-B207-452A-97CC-BDC332329206}">
-  <ds:schemaRefs>
-    <ds:schemaRef ds:uri="http://schemas.microsoft.com/sharepoint/v3/contenttype/forms"/>
-  </ds:schemaRefs>
-</ds:datastoreItem>
-</file>
-
-<file path=customXml/itemProps3.xml><?xml version="1.0" encoding="utf-8"?>
-<ds:datastoreItem xmlns:ds="http://schemas.openxmlformats.org/officeDocument/2006/customXml" ds:itemID="{C1462B60-9A18-4793-B74F-3DF3DD315338}">
-  <ds:schemaRefs>
-    <ds:schemaRef ds:uri="http://schemas.microsoft.com/office/2006/metadata/contentType"/>
-    <ds:schemaRef ds:uri="http://schemas.microsoft.com/office/2006/metadata/properties/metaAttributes"/>
-    <ds:schemaRef ds:uri="http://www.w3.org/2001/XMLSchema"/>
-    <ds:schemaRef ds:uri="http://schemas.microsoft.com/office/2006/metadata/properties"/>
-    <ds:schemaRef ds:uri="http://schemas.openxmlformats.org/package/2006/metadata/core-properties"/>
-    <ds:schemaRef ds:uri="http://purl.org/dc/elements/1.1/"/>
-    <ds:schemaRef ds:uri="http://purl.org/dc/terms/"/>
-    <ds:schemaRef ds:uri="http://schemas.microsoft.com/internal/obd"/>
-    <ds:schemaRef ds:uri="http://schemas.microsoft.com/office/infopath/2007/PartnerControls"/>
-  </ds:schemaRefs>
-</ds:datastoreItem>
 </file>